--- a/week-6-sql(advanced)/sql_advanced.pptx
+++ b/week-6-sql(advanced)/sql_advanced.pptx
@@ -12804,9 +12804,10 @@
           </a:p>
           <a:p>
             <a:r>
-              <a:rPr lang="en-US" dirty="0"/>
-              <a:t>) </a:t>
-            </a:r>
+              <a:rPr lang="en-US"/>
+              <a:t>),</a:t>
+            </a:r>
+            <a:endParaRPr lang="en-US" dirty="0"/>
           </a:p>
           <a:p>
             <a:r>
